--- a/pages/events/DMCM2020_files/covid-19-banner.pptx
+++ b/pages/events/DMCM2020_files/covid-19-banner.pptx
@@ -197,7 +197,7 @@
           <a:p>
             <a:fld id="{8A7307B1-0FE3-1044-8DE6-F1496D903EA6}" type="datetimeFigureOut">
               <a:rPr lang="en-US" smtClean="0"/>
-              <a:t>4/20/20</a:t>
+              <a:t>8/31/20</a:t>
             </a:fld>
             <a:endParaRPr lang="en-US"/>
           </a:p>
@@ -595,7 +595,7 @@
           <a:p>
             <a:fld id="{6CA710E1-4BE7-B542-941F-58570F613323}" type="datetimeFigureOut">
               <a:rPr lang="en-US" smtClean="0"/>
-              <a:t>4/20/20</a:t>
+              <a:t>8/31/20</a:t>
             </a:fld>
             <a:endParaRPr lang="en-US"/>
           </a:p>
@@ -765,7 +765,7 @@
           <a:p>
             <a:fld id="{6CA710E1-4BE7-B542-941F-58570F613323}" type="datetimeFigureOut">
               <a:rPr lang="en-US" smtClean="0"/>
-              <a:t>4/20/20</a:t>
+              <a:t>8/31/20</a:t>
             </a:fld>
             <a:endParaRPr lang="en-US"/>
           </a:p>
@@ -945,7 +945,7 @@
           <a:p>
             <a:fld id="{6CA710E1-4BE7-B542-941F-58570F613323}" type="datetimeFigureOut">
               <a:rPr lang="en-US" smtClean="0"/>
-              <a:t>4/20/20</a:t>
+              <a:t>8/31/20</a:t>
             </a:fld>
             <a:endParaRPr lang="en-US"/>
           </a:p>
@@ -1115,7 +1115,7 @@
           <a:p>
             <a:fld id="{6CA710E1-4BE7-B542-941F-58570F613323}" type="datetimeFigureOut">
               <a:rPr lang="en-US" smtClean="0"/>
-              <a:t>4/20/20</a:t>
+              <a:t>8/31/20</a:t>
             </a:fld>
             <a:endParaRPr lang="en-US"/>
           </a:p>
@@ -1359,7 +1359,7 @@
           <a:p>
             <a:fld id="{6CA710E1-4BE7-B542-941F-58570F613323}" type="datetimeFigureOut">
               <a:rPr lang="en-US" smtClean="0"/>
-              <a:t>4/20/20</a:t>
+              <a:t>8/31/20</a:t>
             </a:fld>
             <a:endParaRPr lang="en-US"/>
           </a:p>
@@ -1591,7 +1591,7 @@
           <a:p>
             <a:fld id="{6CA710E1-4BE7-B542-941F-58570F613323}" type="datetimeFigureOut">
               <a:rPr lang="en-US" smtClean="0"/>
-              <a:t>4/20/20</a:t>
+              <a:t>8/31/20</a:t>
             </a:fld>
             <a:endParaRPr lang="en-US"/>
           </a:p>
@@ -1958,7 +1958,7 @@
           <a:p>
             <a:fld id="{6CA710E1-4BE7-B542-941F-58570F613323}" type="datetimeFigureOut">
               <a:rPr lang="en-US" smtClean="0"/>
-              <a:t>4/20/20</a:t>
+              <a:t>8/31/20</a:t>
             </a:fld>
             <a:endParaRPr lang="en-US"/>
           </a:p>
@@ -2076,7 +2076,7 @@
           <a:p>
             <a:fld id="{6CA710E1-4BE7-B542-941F-58570F613323}" type="datetimeFigureOut">
               <a:rPr lang="en-US" smtClean="0"/>
-              <a:t>4/20/20</a:t>
+              <a:t>8/31/20</a:t>
             </a:fld>
             <a:endParaRPr lang="en-US"/>
           </a:p>
@@ -2171,7 +2171,7 @@
           <a:p>
             <a:fld id="{6CA710E1-4BE7-B542-941F-58570F613323}" type="datetimeFigureOut">
               <a:rPr lang="en-US" smtClean="0"/>
-              <a:t>4/20/20</a:t>
+              <a:t>8/31/20</a:t>
             </a:fld>
             <a:endParaRPr lang="en-US"/>
           </a:p>
@@ -2448,7 +2448,7 @@
           <a:p>
             <a:fld id="{6CA710E1-4BE7-B542-941F-58570F613323}" type="datetimeFigureOut">
               <a:rPr lang="en-US" smtClean="0"/>
-              <a:t>4/20/20</a:t>
+              <a:t>8/31/20</a:t>
             </a:fld>
             <a:endParaRPr lang="en-US"/>
           </a:p>
@@ -2705,7 +2705,7 @@
           <a:p>
             <a:fld id="{6CA710E1-4BE7-B542-941F-58570F613323}" type="datetimeFigureOut">
               <a:rPr lang="en-US" smtClean="0"/>
-              <a:t>4/20/20</a:t>
+              <a:t>8/31/20</a:t>
             </a:fld>
             <a:endParaRPr lang="en-US"/>
           </a:p>
@@ -2918,7 +2918,7 @@
           <a:p>
             <a:fld id="{6CA710E1-4BE7-B542-941F-58570F613323}" type="datetimeFigureOut">
               <a:rPr lang="en-US" smtClean="0"/>
-              <a:t>4/20/20</a:t>
+              <a:t>8/31/20</a:t>
             </a:fld>
             <a:endParaRPr lang="en-US"/>
           </a:p>
@@ -3526,7 +3526,7 @@
                   <a:latin typeface="Arial" panose="020B0604020202020204" pitchFamily="34" charset="0"/>
                   <a:cs typeface="Arial" panose="020B0604020202020204" pitchFamily="34" charset="0"/>
                 </a:rPr>
-                <a:t>Berlin, 12-14 November 2020</a:t>
+                <a:t>12-13 November 2020</a:t>
               </a:r>
             </a:p>
           </p:txBody>

--- a/pages/events/DMCM2020_files/covid-19-banner.pptx
+++ b/pages/events/DMCM2020_files/covid-19-banner.pptx
@@ -197,7 +197,7 @@
           <a:p>
             <a:fld id="{8A7307B1-0FE3-1044-8DE6-F1496D903EA6}" type="datetimeFigureOut">
               <a:rPr lang="en-US" smtClean="0"/>
-              <a:t>8/31/20</a:t>
+              <a:t>9/20/20</a:t>
             </a:fld>
             <a:endParaRPr lang="en-US"/>
           </a:p>
@@ -595,7 +595,7 @@
           <a:p>
             <a:fld id="{6CA710E1-4BE7-B542-941F-58570F613323}" type="datetimeFigureOut">
               <a:rPr lang="en-US" smtClean="0"/>
-              <a:t>8/31/20</a:t>
+              <a:t>9/20/20</a:t>
             </a:fld>
             <a:endParaRPr lang="en-US"/>
           </a:p>
@@ -765,7 +765,7 @@
           <a:p>
             <a:fld id="{6CA710E1-4BE7-B542-941F-58570F613323}" type="datetimeFigureOut">
               <a:rPr lang="en-US" smtClean="0"/>
-              <a:t>8/31/20</a:t>
+              <a:t>9/20/20</a:t>
             </a:fld>
             <a:endParaRPr lang="en-US"/>
           </a:p>
@@ -945,7 +945,7 @@
           <a:p>
             <a:fld id="{6CA710E1-4BE7-B542-941F-58570F613323}" type="datetimeFigureOut">
               <a:rPr lang="en-US" smtClean="0"/>
-              <a:t>8/31/20</a:t>
+              <a:t>9/20/20</a:t>
             </a:fld>
             <a:endParaRPr lang="en-US"/>
           </a:p>
@@ -1115,7 +1115,7 @@
           <a:p>
             <a:fld id="{6CA710E1-4BE7-B542-941F-58570F613323}" type="datetimeFigureOut">
               <a:rPr lang="en-US" smtClean="0"/>
-              <a:t>8/31/20</a:t>
+              <a:t>9/20/20</a:t>
             </a:fld>
             <a:endParaRPr lang="en-US"/>
           </a:p>
@@ -1359,7 +1359,7 @@
           <a:p>
             <a:fld id="{6CA710E1-4BE7-B542-941F-58570F613323}" type="datetimeFigureOut">
               <a:rPr lang="en-US" smtClean="0"/>
-              <a:t>8/31/20</a:t>
+              <a:t>9/20/20</a:t>
             </a:fld>
             <a:endParaRPr lang="en-US"/>
           </a:p>
@@ -1591,7 +1591,7 @@
           <a:p>
             <a:fld id="{6CA710E1-4BE7-B542-941F-58570F613323}" type="datetimeFigureOut">
               <a:rPr lang="en-US" smtClean="0"/>
-              <a:t>8/31/20</a:t>
+              <a:t>9/20/20</a:t>
             </a:fld>
             <a:endParaRPr lang="en-US"/>
           </a:p>
@@ -1958,7 +1958,7 @@
           <a:p>
             <a:fld id="{6CA710E1-4BE7-B542-941F-58570F613323}" type="datetimeFigureOut">
               <a:rPr lang="en-US" smtClean="0"/>
-              <a:t>8/31/20</a:t>
+              <a:t>9/20/20</a:t>
             </a:fld>
             <a:endParaRPr lang="en-US"/>
           </a:p>
@@ -2076,7 +2076,7 @@
           <a:p>
             <a:fld id="{6CA710E1-4BE7-B542-941F-58570F613323}" type="datetimeFigureOut">
               <a:rPr lang="en-US" smtClean="0"/>
-              <a:t>8/31/20</a:t>
+              <a:t>9/20/20</a:t>
             </a:fld>
             <a:endParaRPr lang="en-US"/>
           </a:p>
@@ -2171,7 +2171,7 @@
           <a:p>
             <a:fld id="{6CA710E1-4BE7-B542-941F-58570F613323}" type="datetimeFigureOut">
               <a:rPr lang="en-US" smtClean="0"/>
-              <a:t>8/31/20</a:t>
+              <a:t>9/20/20</a:t>
             </a:fld>
             <a:endParaRPr lang="en-US"/>
           </a:p>
@@ -2448,7 +2448,7 @@
           <a:p>
             <a:fld id="{6CA710E1-4BE7-B542-941F-58570F613323}" type="datetimeFigureOut">
               <a:rPr lang="en-US" smtClean="0"/>
-              <a:t>8/31/20</a:t>
+              <a:t>9/20/20</a:t>
             </a:fld>
             <a:endParaRPr lang="en-US"/>
           </a:p>
@@ -2705,7 +2705,7 @@
           <a:p>
             <a:fld id="{6CA710E1-4BE7-B542-941F-58570F613323}" type="datetimeFigureOut">
               <a:rPr lang="en-US" smtClean="0"/>
-              <a:t>8/31/20</a:t>
+              <a:t>9/20/20</a:t>
             </a:fld>
             <a:endParaRPr lang="en-US"/>
           </a:p>
@@ -2918,7 +2918,7 @@
           <a:p>
             <a:fld id="{6CA710E1-4BE7-B542-941F-58570F613323}" type="datetimeFigureOut">
               <a:rPr lang="en-US" smtClean="0"/>
-              <a:t>8/31/20</a:t>
+              <a:t>9/20/20</a:t>
             </a:fld>
             <a:endParaRPr lang="en-US"/>
           </a:p>
@@ -3527,6 +3527,110 @@
                   <a:cs typeface="Arial" panose="020B0604020202020204" pitchFamily="34" charset="0"/>
                 </a:rPr>
                 <a:t>12-13 November 2020</a:t>
+              </a:r>
+            </a:p>
+          </p:txBody>
+        </p:sp>
+      </p:grpSp>
+      <p:grpSp>
+        <p:nvGrpSpPr>
+          <p:cNvPr id="10" name="Group 9">
+            <a:extLst>
+              <a:ext uri="{FF2B5EF4-FFF2-40B4-BE49-F238E27FC236}">
+                <a16:creationId xmlns:a16="http://schemas.microsoft.com/office/drawing/2014/main" id="{C6829EBF-76E1-C047-BF48-FACF23C64EE8}"/>
+              </a:ext>
+            </a:extLst>
+          </p:cNvPr>
+          <p:cNvGrpSpPr/>
+          <p:nvPr/>
+        </p:nvGrpSpPr>
+        <p:grpSpPr>
+          <a:xfrm>
+            <a:off x="15305881" y="21505336"/>
+            <a:ext cx="12291478" cy="3154450"/>
+            <a:chOff x="15305881" y="21505336"/>
+            <a:chExt cx="12291478" cy="3154450"/>
+          </a:xfrm>
+        </p:grpSpPr>
+        <p:pic>
+          <p:nvPicPr>
+            <p:cNvPr id="7" name="Picture 6">
+              <a:extLst>
+                <a:ext uri="{FF2B5EF4-FFF2-40B4-BE49-F238E27FC236}">
+                  <a16:creationId xmlns:a16="http://schemas.microsoft.com/office/drawing/2014/main" id="{3A106E73-5193-324D-85C0-F3F568554FDB}"/>
+                </a:ext>
+              </a:extLst>
+            </p:cNvPr>
+            <p:cNvPicPr>
+              <a:picLocks noChangeAspect="1"/>
+            </p:cNvPicPr>
+            <p:nvPr/>
+          </p:nvPicPr>
+          <p:blipFill>
+            <a:blip r:embed="rId3"/>
+            <a:stretch>
+              <a:fillRect/>
+            </a:stretch>
+          </p:blipFill>
+          <p:spPr>
+            <a:xfrm>
+              <a:off x="15305881" y="21505336"/>
+              <a:ext cx="12291478" cy="3154450"/>
+            </a:xfrm>
+            <a:prstGeom prst="rect">
+              <a:avLst/>
+            </a:prstGeom>
+          </p:spPr>
+        </p:pic>
+        <p:sp>
+          <p:nvSpPr>
+            <p:cNvPr id="9" name="TextBox 8">
+              <a:extLst>
+                <a:ext uri="{FF2B5EF4-FFF2-40B4-BE49-F238E27FC236}">
+                  <a16:creationId xmlns:a16="http://schemas.microsoft.com/office/drawing/2014/main" id="{21400FEF-F8BB-7242-B9A6-62C8491E19C1}"/>
+                </a:ext>
+              </a:extLst>
+            </p:cNvPr>
+            <p:cNvSpPr txBox="1"/>
+            <p:nvPr/>
+          </p:nvSpPr>
+          <p:spPr>
+            <a:xfrm>
+              <a:off x="15445409" y="23082561"/>
+              <a:ext cx="9534983" cy="1323439"/>
+            </a:xfrm>
+            <a:prstGeom prst="rect">
+              <a:avLst/>
+            </a:prstGeom>
+            <a:noFill/>
+          </p:spPr>
+          <p:txBody>
+            <a:bodyPr wrap="none" rtlCol="0">
+              <a:spAutoFit/>
+            </a:bodyPr>
+            <a:lstStyle/>
+            <a:p>
+              <a:r>
+                <a:rPr lang="en-LU" sz="4000" b="1" dirty="0">
+                  <a:solidFill>
+                    <a:schemeClr val="bg1"/>
+                  </a:solidFill>
+                  <a:latin typeface="Arial" panose="020B0604020202020204" pitchFamily="34" charset="0"/>
+                  <a:cs typeface="Arial" panose="020B0604020202020204" pitchFamily="34" charset="0"/>
+                </a:rPr>
+                <a:t>5th Disease Maps Community Meeting</a:t>
+              </a:r>
+            </a:p>
+            <a:p>
+              <a:r>
+                <a:rPr lang="en-LU" sz="4000" b="1" dirty="0">
+                  <a:solidFill>
+                    <a:schemeClr val="bg1"/>
+                  </a:solidFill>
+                  <a:latin typeface="Arial" panose="020B0604020202020204" pitchFamily="34" charset="0"/>
+                  <a:cs typeface="Arial" panose="020B0604020202020204" pitchFamily="34" charset="0"/>
+                </a:rPr>
+                <a:t>12-14 November 2020</a:t>
               </a:r>
             </a:p>
           </p:txBody>

--- a/pages/events/DMCM2020_files/covid-19-banner.pptx
+++ b/pages/events/DMCM2020_files/covid-19-banner.pptx
@@ -3323,36 +3323,6 @@
           <a:chExt cx="0" cy="0"/>
         </a:xfrm>
       </p:grpSpPr>
-      <p:pic>
-        <p:nvPicPr>
-          <p:cNvPr id="5" name="Picture 4" descr="A large body of water with a city in the background&#10;&#10;Description automatically generated">
-            <a:extLst>
-              <a:ext uri="{FF2B5EF4-FFF2-40B4-BE49-F238E27FC236}">
-                <a16:creationId xmlns:a16="http://schemas.microsoft.com/office/drawing/2014/main" id="{A3A45E90-5A22-4445-9608-3CC2B2B8190D}"/>
-              </a:ext>
-            </a:extLst>
-          </p:cNvPr>
-          <p:cNvPicPr>
-            <a:picLocks noChangeAspect="1"/>
-          </p:cNvPicPr>
-          <p:nvPr/>
-        </p:nvPicPr>
-        <p:blipFill>
-          <a:blip r:embed="rId2"/>
-          <a:stretch>
-            <a:fillRect/>
-          </a:stretch>
-        </p:blipFill>
-        <p:spPr>
-          <a:xfrm>
-            <a:off x="15305881" y="12750006"/>
-            <a:ext cx="12192000" cy="4775200"/>
-          </a:xfrm>
-          <a:prstGeom prst="rect">
-            <a:avLst/>
-          </a:prstGeom>
-        </p:spPr>
-      </p:pic>
       <p:sp>
         <p:nvSpPr>
           <p:cNvPr id="6" name="TextBox 5">
@@ -3406,132 +3376,6 @@
           </a:p>
         </p:txBody>
       </p:sp>
-      <p:grpSp>
-        <p:nvGrpSpPr>
-          <p:cNvPr id="3" name="Group 2">
-            <a:extLst>
-              <a:ext uri="{FF2B5EF4-FFF2-40B4-BE49-F238E27FC236}">
-                <a16:creationId xmlns:a16="http://schemas.microsoft.com/office/drawing/2014/main" id="{D2E19F0A-F79B-B241-AC39-6A782F6E37E9}"/>
-              </a:ext>
-            </a:extLst>
-          </p:cNvPr>
-          <p:cNvGrpSpPr/>
-          <p:nvPr/>
-        </p:nvGrpSpPr>
-        <p:grpSpPr>
-          <a:xfrm>
-            <a:off x="15305881" y="17938046"/>
-            <a:ext cx="12192000" cy="3154450"/>
-            <a:chOff x="15305881" y="17938046"/>
-            <a:chExt cx="12192000" cy="3154450"/>
-          </a:xfrm>
-        </p:grpSpPr>
-        <p:sp>
-          <p:nvSpPr>
-            <p:cNvPr id="2" name="Rectangle 1">
-              <a:extLst>
-                <a:ext uri="{FF2B5EF4-FFF2-40B4-BE49-F238E27FC236}">
-                  <a16:creationId xmlns:a16="http://schemas.microsoft.com/office/drawing/2014/main" id="{53B89962-10B7-5E4C-A44C-81242FD3C4D0}"/>
-                </a:ext>
-              </a:extLst>
-            </p:cNvPr>
-            <p:cNvSpPr/>
-            <p:nvPr/>
-          </p:nvSpPr>
-          <p:spPr>
-            <a:xfrm>
-              <a:off x="15305881" y="17938046"/>
-              <a:ext cx="12192000" cy="3154450"/>
-            </a:xfrm>
-            <a:prstGeom prst="rect">
-              <a:avLst/>
-            </a:prstGeom>
-            <a:solidFill>
-              <a:srgbClr val="2FAAE0"/>
-            </a:solidFill>
-            <a:ln>
-              <a:noFill/>
-            </a:ln>
-          </p:spPr>
-          <p:style>
-            <a:lnRef idx="2">
-              <a:schemeClr val="accent1">
-                <a:shade val="50000"/>
-              </a:schemeClr>
-            </a:lnRef>
-            <a:fillRef idx="1">
-              <a:schemeClr val="accent1"/>
-            </a:fillRef>
-            <a:effectRef idx="0">
-              <a:schemeClr val="accent1"/>
-            </a:effectRef>
-            <a:fontRef idx="minor">
-              <a:schemeClr val="lt1"/>
-            </a:fontRef>
-          </p:style>
-          <p:txBody>
-            <a:bodyPr rtlCol="0" anchor="ctr"/>
-            <a:lstStyle/>
-            <a:p>
-              <a:pPr algn="ctr"/>
-              <a:endParaRPr lang="ru-RU"/>
-            </a:p>
-          </p:txBody>
-        </p:sp>
-        <p:sp>
-          <p:nvSpPr>
-            <p:cNvPr id="8" name="TextBox 7">
-              <a:extLst>
-                <a:ext uri="{FF2B5EF4-FFF2-40B4-BE49-F238E27FC236}">
-                  <a16:creationId xmlns:a16="http://schemas.microsoft.com/office/drawing/2014/main" id="{DE291704-8151-CA47-94E9-3326A46B0B9E}"/>
-                </a:ext>
-              </a:extLst>
-            </p:cNvPr>
-            <p:cNvSpPr txBox="1"/>
-            <p:nvPr/>
-          </p:nvSpPr>
-          <p:spPr>
-            <a:xfrm>
-              <a:off x="15445409" y="19618782"/>
-              <a:ext cx="9534983" cy="1323439"/>
-            </a:xfrm>
-            <a:prstGeom prst="rect">
-              <a:avLst/>
-            </a:prstGeom>
-            <a:noFill/>
-          </p:spPr>
-          <p:txBody>
-            <a:bodyPr wrap="none" rtlCol="0">
-              <a:spAutoFit/>
-            </a:bodyPr>
-            <a:lstStyle/>
-            <a:p>
-              <a:r>
-                <a:rPr lang="en-LU" sz="4000" b="1" dirty="0">
-                  <a:solidFill>
-                    <a:schemeClr val="bg1"/>
-                  </a:solidFill>
-                  <a:latin typeface="Arial" panose="020B0604020202020204" pitchFamily="34" charset="0"/>
-                  <a:cs typeface="Arial" panose="020B0604020202020204" pitchFamily="34" charset="0"/>
-                </a:rPr>
-                <a:t>5th Disease Maps Community Meeting</a:t>
-              </a:r>
-            </a:p>
-            <a:p>
-              <a:r>
-                <a:rPr lang="en-LU" sz="4000" b="1" dirty="0">
-                  <a:solidFill>
-                    <a:schemeClr val="bg1"/>
-                  </a:solidFill>
-                  <a:latin typeface="Arial" panose="020B0604020202020204" pitchFamily="34" charset="0"/>
-                  <a:cs typeface="Arial" panose="020B0604020202020204" pitchFamily="34" charset="0"/>
-                </a:rPr>
-                <a:t>12-13 November 2020</a:t>
-              </a:r>
-            </a:p>
-          </p:txBody>
-        </p:sp>
-      </p:grpSp>
       <p:grpSp>
         <p:nvGrpSpPr>
           <p:cNvPr id="10" name="Group 9">
@@ -3546,7 +3390,7 @@
         </p:nvGrpSpPr>
         <p:grpSpPr>
           <a:xfrm>
-            <a:off x="15305881" y="21505336"/>
+            <a:off x="14562931" y="5674786"/>
             <a:ext cx="12291478" cy="3154450"/>
             <a:chOff x="15305881" y="21505336"/>
             <a:chExt cx="12291478" cy="3154450"/>
@@ -3567,7 +3411,7 @@
             <p:nvPr/>
           </p:nvPicPr>
           <p:blipFill>
-            <a:blip r:embed="rId3"/>
+            <a:blip r:embed="rId2"/>
             <a:stretch>
               <a:fillRect/>
             </a:stretch>
@@ -3626,6 +3470,214 @@
                 <a:rPr lang="en-LU" sz="4000" b="1" dirty="0">
                   <a:solidFill>
                     <a:schemeClr val="bg1"/>
+                  </a:solidFill>
+                  <a:latin typeface="Arial" panose="020B0604020202020204" pitchFamily="34" charset="0"/>
+                  <a:cs typeface="Arial" panose="020B0604020202020204" pitchFamily="34" charset="0"/>
+                </a:rPr>
+                <a:t>12-14 November 2020</a:t>
+              </a:r>
+            </a:p>
+          </p:txBody>
+        </p:sp>
+      </p:grpSp>
+      <p:grpSp>
+        <p:nvGrpSpPr>
+          <p:cNvPr id="11" name="Group 10">
+            <a:extLst>
+              <a:ext uri="{FF2B5EF4-FFF2-40B4-BE49-F238E27FC236}">
+                <a16:creationId xmlns:a16="http://schemas.microsoft.com/office/drawing/2014/main" id="{F3DBB9FB-8295-3F4A-8779-E7AA2841164A}"/>
+              </a:ext>
+            </a:extLst>
+          </p:cNvPr>
+          <p:cNvGrpSpPr/>
+          <p:nvPr/>
+        </p:nvGrpSpPr>
+        <p:grpSpPr>
+          <a:xfrm>
+            <a:off x="14562931" y="10152675"/>
+            <a:ext cx="12291478" cy="3154450"/>
+            <a:chOff x="15305881" y="21505336"/>
+            <a:chExt cx="12291478" cy="3154450"/>
+          </a:xfrm>
+        </p:grpSpPr>
+        <p:pic>
+          <p:nvPicPr>
+            <p:cNvPr id="12" name="Picture 11">
+              <a:extLst>
+                <a:ext uri="{FF2B5EF4-FFF2-40B4-BE49-F238E27FC236}">
+                  <a16:creationId xmlns:a16="http://schemas.microsoft.com/office/drawing/2014/main" id="{970C1495-8371-7A48-BED2-F6FEFAD9533A}"/>
+                </a:ext>
+              </a:extLst>
+            </p:cNvPr>
+            <p:cNvPicPr>
+              <a:picLocks noChangeAspect="1"/>
+            </p:cNvPicPr>
+            <p:nvPr/>
+          </p:nvPicPr>
+          <p:blipFill>
+            <a:blip r:embed="rId2"/>
+            <a:stretch>
+              <a:fillRect/>
+            </a:stretch>
+          </p:blipFill>
+          <p:spPr>
+            <a:xfrm>
+              <a:off x="15305881" y="21505336"/>
+              <a:ext cx="12291478" cy="3154450"/>
+            </a:xfrm>
+            <a:prstGeom prst="rect">
+              <a:avLst/>
+            </a:prstGeom>
+          </p:spPr>
+        </p:pic>
+        <p:sp>
+          <p:nvSpPr>
+            <p:cNvPr id="13" name="TextBox 12">
+              <a:extLst>
+                <a:ext uri="{FF2B5EF4-FFF2-40B4-BE49-F238E27FC236}">
+                  <a16:creationId xmlns:a16="http://schemas.microsoft.com/office/drawing/2014/main" id="{5C4EE09F-0929-3942-B893-49A17CCFD06B}"/>
+                </a:ext>
+              </a:extLst>
+            </p:cNvPr>
+            <p:cNvSpPr txBox="1"/>
+            <p:nvPr/>
+          </p:nvSpPr>
+          <p:spPr>
+            <a:xfrm>
+              <a:off x="15445409" y="23082561"/>
+              <a:ext cx="9534983" cy="1323439"/>
+            </a:xfrm>
+            <a:prstGeom prst="rect">
+              <a:avLst/>
+            </a:prstGeom>
+            <a:noFill/>
+          </p:spPr>
+          <p:txBody>
+            <a:bodyPr wrap="none" rtlCol="0">
+              <a:spAutoFit/>
+            </a:bodyPr>
+            <a:lstStyle/>
+            <a:p>
+              <a:r>
+                <a:rPr lang="en-LU" sz="4000" b="1" dirty="0">
+                  <a:solidFill>
+                    <a:srgbClr val="BBCAD6"/>
+                  </a:solidFill>
+                  <a:latin typeface="Arial" panose="020B0604020202020204" pitchFamily="34" charset="0"/>
+                  <a:cs typeface="Arial" panose="020B0604020202020204" pitchFamily="34" charset="0"/>
+                </a:rPr>
+                <a:t>5th Disease Maps Community Meeting</a:t>
+              </a:r>
+            </a:p>
+            <a:p>
+              <a:r>
+                <a:rPr lang="en-LU" sz="4000" b="1" dirty="0">
+                  <a:solidFill>
+                    <a:srgbClr val="BBCAD6"/>
+                  </a:solidFill>
+                  <a:latin typeface="Arial" panose="020B0604020202020204" pitchFamily="34" charset="0"/>
+                  <a:cs typeface="Arial" panose="020B0604020202020204" pitchFamily="34" charset="0"/>
+                </a:rPr>
+                <a:t>12-14 November 2020</a:t>
+              </a:r>
+            </a:p>
+          </p:txBody>
+        </p:sp>
+      </p:grpSp>
+      <p:grpSp>
+        <p:nvGrpSpPr>
+          <p:cNvPr id="18" name="Group 17">
+            <a:extLst>
+              <a:ext uri="{FF2B5EF4-FFF2-40B4-BE49-F238E27FC236}">
+                <a16:creationId xmlns:a16="http://schemas.microsoft.com/office/drawing/2014/main" id="{6156563A-5A84-CF48-8F55-854AE69A520F}"/>
+              </a:ext>
+            </a:extLst>
+          </p:cNvPr>
+          <p:cNvGrpSpPr/>
+          <p:nvPr/>
+        </p:nvGrpSpPr>
+        <p:grpSpPr>
+          <a:xfrm>
+            <a:off x="14562931" y="14474781"/>
+            <a:ext cx="12291478" cy="3154450"/>
+            <a:chOff x="15305881" y="21505336"/>
+            <a:chExt cx="12291478" cy="3154450"/>
+          </a:xfrm>
+        </p:grpSpPr>
+        <p:pic>
+          <p:nvPicPr>
+            <p:cNvPr id="19" name="Picture 18">
+              <a:extLst>
+                <a:ext uri="{FF2B5EF4-FFF2-40B4-BE49-F238E27FC236}">
+                  <a16:creationId xmlns:a16="http://schemas.microsoft.com/office/drawing/2014/main" id="{0ACBF1FC-2C8C-AF4C-8662-CC8DF9AC68BC}"/>
+                </a:ext>
+              </a:extLst>
+            </p:cNvPr>
+            <p:cNvPicPr>
+              <a:picLocks noChangeAspect="1"/>
+            </p:cNvPicPr>
+            <p:nvPr/>
+          </p:nvPicPr>
+          <p:blipFill>
+            <a:blip r:embed="rId2"/>
+            <a:stretch>
+              <a:fillRect/>
+            </a:stretch>
+          </p:blipFill>
+          <p:spPr>
+            <a:xfrm>
+              <a:off x="15305881" y="21505336"/>
+              <a:ext cx="12291478" cy="3154450"/>
+            </a:xfrm>
+            <a:prstGeom prst="rect">
+              <a:avLst/>
+            </a:prstGeom>
+          </p:spPr>
+        </p:pic>
+        <p:sp>
+          <p:nvSpPr>
+            <p:cNvPr id="20" name="TextBox 19">
+              <a:extLst>
+                <a:ext uri="{FF2B5EF4-FFF2-40B4-BE49-F238E27FC236}">
+                  <a16:creationId xmlns:a16="http://schemas.microsoft.com/office/drawing/2014/main" id="{8D635304-A4F8-6A47-9932-B7B18CA18502}"/>
+                </a:ext>
+              </a:extLst>
+            </p:cNvPr>
+            <p:cNvSpPr txBox="1"/>
+            <p:nvPr/>
+          </p:nvSpPr>
+          <p:spPr>
+            <a:xfrm>
+              <a:off x="15445409" y="23082561"/>
+              <a:ext cx="9534983" cy="1323439"/>
+            </a:xfrm>
+            <a:prstGeom prst="rect">
+              <a:avLst/>
+            </a:prstGeom>
+            <a:noFill/>
+          </p:spPr>
+          <p:txBody>
+            <a:bodyPr wrap="none" rtlCol="0">
+              <a:spAutoFit/>
+            </a:bodyPr>
+            <a:lstStyle/>
+            <a:p>
+              <a:r>
+                <a:rPr lang="en-LU" sz="4000" b="1" dirty="0">
+                  <a:solidFill>
+                    <a:srgbClr val="CCDCEB"/>
+                  </a:solidFill>
+                  <a:latin typeface="Arial" panose="020B0604020202020204" pitchFamily="34" charset="0"/>
+                  <a:cs typeface="Arial" panose="020B0604020202020204" pitchFamily="34" charset="0"/>
+                </a:rPr>
+                <a:t>5th Disease Maps Community Meeting</a:t>
+              </a:r>
+            </a:p>
+            <a:p>
+              <a:r>
+                <a:rPr lang="en-LU" sz="4000" b="1" dirty="0">
+                  <a:solidFill>
+                    <a:srgbClr val="CCDCEB"/>
                   </a:solidFill>
                   <a:latin typeface="Arial" panose="020B0604020202020204" pitchFamily="34" charset="0"/>
                   <a:cs typeface="Arial" panose="020B0604020202020204" pitchFamily="34" charset="0"/>

--- a/pages/events/DMCM2020_files/covid-19-banner.pptx
+++ b/pages/events/DMCM2020_files/covid-19-banner.pptx
@@ -197,7 +197,7 @@
           <a:p>
             <a:fld id="{8A7307B1-0FE3-1044-8DE6-F1496D903EA6}" type="datetimeFigureOut">
               <a:rPr lang="en-US" smtClean="0"/>
-              <a:t>9/20/20</a:t>
+              <a:t>9/21/20</a:t>
             </a:fld>
             <a:endParaRPr lang="en-US"/>
           </a:p>
@@ -595,7 +595,7 @@
           <a:p>
             <a:fld id="{6CA710E1-4BE7-B542-941F-58570F613323}" type="datetimeFigureOut">
               <a:rPr lang="en-US" smtClean="0"/>
-              <a:t>9/20/20</a:t>
+              <a:t>9/21/20</a:t>
             </a:fld>
             <a:endParaRPr lang="en-US"/>
           </a:p>
@@ -765,7 +765,7 @@
           <a:p>
             <a:fld id="{6CA710E1-4BE7-B542-941F-58570F613323}" type="datetimeFigureOut">
               <a:rPr lang="en-US" smtClean="0"/>
-              <a:t>9/20/20</a:t>
+              <a:t>9/21/20</a:t>
             </a:fld>
             <a:endParaRPr lang="en-US"/>
           </a:p>
@@ -945,7 +945,7 @@
           <a:p>
             <a:fld id="{6CA710E1-4BE7-B542-941F-58570F613323}" type="datetimeFigureOut">
               <a:rPr lang="en-US" smtClean="0"/>
-              <a:t>9/20/20</a:t>
+              <a:t>9/21/20</a:t>
             </a:fld>
             <a:endParaRPr lang="en-US"/>
           </a:p>
@@ -1115,7 +1115,7 @@
           <a:p>
             <a:fld id="{6CA710E1-4BE7-B542-941F-58570F613323}" type="datetimeFigureOut">
               <a:rPr lang="en-US" smtClean="0"/>
-              <a:t>9/20/20</a:t>
+              <a:t>9/21/20</a:t>
             </a:fld>
             <a:endParaRPr lang="en-US"/>
           </a:p>
@@ -1359,7 +1359,7 @@
           <a:p>
             <a:fld id="{6CA710E1-4BE7-B542-941F-58570F613323}" type="datetimeFigureOut">
               <a:rPr lang="en-US" smtClean="0"/>
-              <a:t>9/20/20</a:t>
+              <a:t>9/21/20</a:t>
             </a:fld>
             <a:endParaRPr lang="en-US"/>
           </a:p>
@@ -1591,7 +1591,7 @@
           <a:p>
             <a:fld id="{6CA710E1-4BE7-B542-941F-58570F613323}" type="datetimeFigureOut">
               <a:rPr lang="en-US" smtClean="0"/>
-              <a:t>9/20/20</a:t>
+              <a:t>9/21/20</a:t>
             </a:fld>
             <a:endParaRPr lang="en-US"/>
           </a:p>
@@ -1958,7 +1958,7 @@
           <a:p>
             <a:fld id="{6CA710E1-4BE7-B542-941F-58570F613323}" type="datetimeFigureOut">
               <a:rPr lang="en-US" smtClean="0"/>
-              <a:t>9/20/20</a:t>
+              <a:t>9/21/20</a:t>
             </a:fld>
             <a:endParaRPr lang="en-US"/>
           </a:p>
@@ -2076,7 +2076,7 @@
           <a:p>
             <a:fld id="{6CA710E1-4BE7-B542-941F-58570F613323}" type="datetimeFigureOut">
               <a:rPr lang="en-US" smtClean="0"/>
-              <a:t>9/20/20</a:t>
+              <a:t>9/21/20</a:t>
             </a:fld>
             <a:endParaRPr lang="en-US"/>
           </a:p>
@@ -2171,7 +2171,7 @@
           <a:p>
             <a:fld id="{6CA710E1-4BE7-B542-941F-58570F613323}" type="datetimeFigureOut">
               <a:rPr lang="en-US" smtClean="0"/>
-              <a:t>9/20/20</a:t>
+              <a:t>9/21/20</a:t>
             </a:fld>
             <a:endParaRPr lang="en-US"/>
           </a:p>
@@ -2448,7 +2448,7 @@
           <a:p>
             <a:fld id="{6CA710E1-4BE7-B542-941F-58570F613323}" type="datetimeFigureOut">
               <a:rPr lang="en-US" smtClean="0"/>
-              <a:t>9/20/20</a:t>
+              <a:t>9/21/20</a:t>
             </a:fld>
             <a:endParaRPr lang="en-US"/>
           </a:p>
@@ -2705,7 +2705,7 @@
           <a:p>
             <a:fld id="{6CA710E1-4BE7-B542-941F-58570F613323}" type="datetimeFigureOut">
               <a:rPr lang="en-US" smtClean="0"/>
-              <a:t>9/20/20</a:t>
+              <a:t>9/21/20</a:t>
             </a:fld>
             <a:endParaRPr lang="en-US"/>
           </a:p>
@@ -2918,7 +2918,7 @@
           <a:p>
             <a:fld id="{6CA710E1-4BE7-B542-941F-58570F613323}" type="datetimeFigureOut">
               <a:rPr lang="en-US" smtClean="0"/>
-              <a:t>9/20/20</a:t>
+              <a:t>9/21/20</a:t>
             </a:fld>
             <a:endParaRPr lang="en-US"/>
           </a:p>
@@ -3684,6 +3684,689 @@
                 </a:rPr>
                 <a:t>12-14 November 2020</a:t>
               </a:r>
+            </a:p>
+          </p:txBody>
+        </p:sp>
+      </p:grpSp>
+      <p:grpSp>
+        <p:nvGrpSpPr>
+          <p:cNvPr id="4" name="Group 3">
+            <a:extLst>
+              <a:ext uri="{FF2B5EF4-FFF2-40B4-BE49-F238E27FC236}">
+                <a16:creationId xmlns:a16="http://schemas.microsoft.com/office/drawing/2014/main" id="{89EBF776-FA2D-A840-8BD1-62CCCD707C41}"/>
+              </a:ext>
+            </a:extLst>
+          </p:cNvPr>
+          <p:cNvGrpSpPr/>
+          <p:nvPr/>
+        </p:nvGrpSpPr>
+        <p:grpSpPr>
+          <a:xfrm>
+            <a:off x="14562931" y="18952671"/>
+            <a:ext cx="12291478" cy="3072870"/>
+            <a:chOff x="14562931" y="18952671"/>
+            <a:chExt cx="12291478" cy="3072870"/>
+          </a:xfrm>
+        </p:grpSpPr>
+        <p:pic>
+          <p:nvPicPr>
+            <p:cNvPr id="3" name="Picture 2">
+              <a:extLst>
+                <a:ext uri="{FF2B5EF4-FFF2-40B4-BE49-F238E27FC236}">
+                  <a16:creationId xmlns:a16="http://schemas.microsoft.com/office/drawing/2014/main" id="{89749B28-AB5B-BC4D-B4FE-6A05269FC0EE}"/>
+                </a:ext>
+              </a:extLst>
+            </p:cNvPr>
+            <p:cNvPicPr>
+              <a:picLocks noChangeAspect="1"/>
+            </p:cNvPicPr>
+            <p:nvPr/>
+          </p:nvPicPr>
+          <p:blipFill>
+            <a:blip r:embed="rId3"/>
+            <a:stretch>
+              <a:fillRect/>
+            </a:stretch>
+          </p:blipFill>
+          <p:spPr>
+            <a:xfrm>
+              <a:off x="14562931" y="18952671"/>
+              <a:ext cx="12291478" cy="3072870"/>
+            </a:xfrm>
+            <a:prstGeom prst="rect">
+              <a:avLst/>
+            </a:prstGeom>
+          </p:spPr>
+        </p:pic>
+        <p:sp>
+          <p:nvSpPr>
+            <p:cNvPr id="14" name="TextBox 13">
+              <a:extLst>
+                <a:ext uri="{FF2B5EF4-FFF2-40B4-BE49-F238E27FC236}">
+                  <a16:creationId xmlns:a16="http://schemas.microsoft.com/office/drawing/2014/main" id="{11036D0F-F335-AE41-AFB2-5BC0C5146863}"/>
+                </a:ext>
+              </a:extLst>
+            </p:cNvPr>
+            <p:cNvSpPr txBox="1"/>
+            <p:nvPr/>
+          </p:nvSpPr>
+          <p:spPr>
+            <a:xfrm>
+              <a:off x="14739035" y="20533623"/>
+              <a:ext cx="9534983" cy="1323439"/>
+            </a:xfrm>
+            <a:prstGeom prst="rect">
+              <a:avLst/>
+            </a:prstGeom>
+            <a:noFill/>
+          </p:spPr>
+          <p:txBody>
+            <a:bodyPr wrap="none" rtlCol="0">
+              <a:spAutoFit/>
+            </a:bodyPr>
+            <a:lstStyle/>
+            <a:p>
+              <a:r>
+                <a:rPr lang="en-LU" sz="4000" b="1" dirty="0">
+                  <a:solidFill>
+                    <a:srgbClr val="D2E1EB"/>
+                  </a:solidFill>
+                  <a:latin typeface="Arial" panose="020B0604020202020204" pitchFamily="34" charset="0"/>
+                  <a:cs typeface="Arial" panose="020B0604020202020204" pitchFamily="34" charset="0"/>
+                </a:rPr>
+                <a:t>5th Disease Maps Community Meeting</a:t>
+              </a:r>
+            </a:p>
+            <a:p>
+              <a:r>
+                <a:rPr lang="en-LU" sz="4000" b="1" dirty="0">
+                  <a:solidFill>
+                    <a:srgbClr val="D2E1EB"/>
+                  </a:solidFill>
+                  <a:latin typeface="Arial" panose="020B0604020202020204" pitchFamily="34" charset="0"/>
+                  <a:cs typeface="Arial" panose="020B0604020202020204" pitchFamily="34" charset="0"/>
+                </a:rPr>
+                <a:t>12-14 November 2020</a:t>
+              </a:r>
+            </a:p>
+          </p:txBody>
+        </p:sp>
+      </p:grpSp>
+      <p:grpSp>
+        <p:nvGrpSpPr>
+          <p:cNvPr id="5" name="Group 4">
+            <a:extLst>
+              <a:ext uri="{FF2B5EF4-FFF2-40B4-BE49-F238E27FC236}">
+                <a16:creationId xmlns:a16="http://schemas.microsoft.com/office/drawing/2014/main" id="{62777435-23BF-E841-AB9B-1EE3C23532DB}"/>
+              </a:ext>
+            </a:extLst>
+          </p:cNvPr>
+          <p:cNvGrpSpPr/>
+          <p:nvPr/>
+        </p:nvGrpSpPr>
+        <p:grpSpPr>
+          <a:xfrm>
+            <a:off x="28818680" y="18952671"/>
+            <a:ext cx="5749241" cy="3072870"/>
+            <a:chOff x="28818680" y="18952671"/>
+            <a:chExt cx="5749241" cy="3072870"/>
+          </a:xfrm>
+        </p:grpSpPr>
+        <p:pic>
+          <p:nvPicPr>
+            <p:cNvPr id="2" name="Picture 1">
+              <a:extLst>
+                <a:ext uri="{FF2B5EF4-FFF2-40B4-BE49-F238E27FC236}">
+                  <a16:creationId xmlns:a16="http://schemas.microsoft.com/office/drawing/2014/main" id="{48130C33-BF6B-AC4F-8166-D2ED0578A21E}"/>
+                </a:ext>
+              </a:extLst>
+            </p:cNvPr>
+            <p:cNvPicPr>
+              <a:picLocks noChangeAspect="1"/>
+            </p:cNvPicPr>
+            <p:nvPr/>
+          </p:nvPicPr>
+          <p:blipFill>
+            <a:blip r:embed="rId4"/>
+            <a:stretch>
+              <a:fillRect/>
+            </a:stretch>
+          </p:blipFill>
+          <p:spPr>
+            <a:xfrm>
+              <a:off x="28818680" y="18952671"/>
+              <a:ext cx="5749241" cy="3072870"/>
+            </a:xfrm>
+            <a:prstGeom prst="rect">
+              <a:avLst/>
+            </a:prstGeom>
+          </p:spPr>
+        </p:pic>
+        <p:sp>
+          <p:nvSpPr>
+            <p:cNvPr id="16" name="TextBox 15">
+              <a:extLst>
+                <a:ext uri="{FF2B5EF4-FFF2-40B4-BE49-F238E27FC236}">
+                  <a16:creationId xmlns:a16="http://schemas.microsoft.com/office/drawing/2014/main" id="{7C6C0418-8E67-7A4B-AB70-A47A609512C1}"/>
+                </a:ext>
+              </a:extLst>
+            </p:cNvPr>
+            <p:cNvSpPr txBox="1"/>
+            <p:nvPr/>
+          </p:nvSpPr>
+          <p:spPr>
+            <a:xfrm>
+              <a:off x="29001756" y="19181055"/>
+              <a:ext cx="5383088" cy="2616101"/>
+            </a:xfrm>
+            <a:prstGeom prst="rect">
+              <a:avLst/>
+            </a:prstGeom>
+            <a:noFill/>
+          </p:spPr>
+          <p:txBody>
+            <a:bodyPr wrap="square" rtlCol="0">
+              <a:spAutoFit/>
+            </a:bodyPr>
+            <a:lstStyle/>
+            <a:p>
+              <a:r>
+                <a:rPr lang="en-GB" sz="3200" b="1" dirty="0">
+                  <a:solidFill>
+                    <a:schemeClr val="bg1"/>
+                  </a:solidFill>
+                  <a:latin typeface="Arial" panose="020B0604020202020204" pitchFamily="34" charset="0"/>
+                  <a:cs typeface="Arial" panose="020B0604020202020204" pitchFamily="34" charset="0"/>
+                </a:rPr>
+                <a:t>COVID-19</a:t>
+              </a:r>
+            </a:p>
+            <a:p>
+              <a:endParaRPr lang="en-GB" sz="2200" dirty="0">
+                <a:solidFill>
+                  <a:schemeClr val="bg1"/>
+                </a:solidFill>
+                <a:latin typeface="Arial" panose="020B0604020202020204" pitchFamily="34" charset="0"/>
+                <a:cs typeface="Arial" panose="020B0604020202020204" pitchFamily="34" charset="0"/>
+              </a:endParaRPr>
+            </a:p>
+            <a:p>
+              <a:r>
+                <a:rPr lang="en-GB" sz="2200" dirty="0">
+                  <a:solidFill>
+                    <a:schemeClr val="bg1"/>
+                  </a:solidFill>
+                  <a:latin typeface="Arial" panose="020B0604020202020204" pitchFamily="34" charset="0"/>
+                  <a:cs typeface="Arial" panose="020B0604020202020204" pitchFamily="34" charset="0"/>
+                </a:rPr>
+                <a:t>Resource: COVID-19 Disease Map</a:t>
+              </a:r>
+            </a:p>
+            <a:p>
+              <a:r>
+                <a:rPr lang="en-GB" sz="2200" dirty="0">
+                  <a:solidFill>
+                    <a:schemeClr val="bg1"/>
+                  </a:solidFill>
+                  <a:latin typeface="Arial" panose="020B0604020202020204" pitchFamily="34" charset="0"/>
+                  <a:cs typeface="Arial" panose="020B0604020202020204" pitchFamily="34" charset="0"/>
+                </a:rPr>
+                <a:t>Contact: Marek </a:t>
+              </a:r>
+              <a:r>
+                <a:rPr lang="en-GB" sz="2200" dirty="0" err="1">
+                  <a:solidFill>
+                    <a:schemeClr val="bg1"/>
+                  </a:solidFill>
+                  <a:latin typeface="Arial" panose="020B0604020202020204" pitchFamily="34" charset="0"/>
+                  <a:cs typeface="Arial" panose="020B0604020202020204" pitchFamily="34" charset="0"/>
+                </a:rPr>
+                <a:t>Ostaszewski</a:t>
+              </a:r>
+              <a:r>
+                <a:rPr lang="en-GB" sz="2200" dirty="0">
+                  <a:solidFill>
+                    <a:schemeClr val="bg1"/>
+                  </a:solidFill>
+                  <a:latin typeface="Arial" panose="020B0604020202020204" pitchFamily="34" charset="0"/>
+                  <a:cs typeface="Arial" panose="020B0604020202020204" pitchFamily="34" charset="0"/>
+                </a:rPr>
+                <a:t>, University of Luxembourg, </a:t>
+              </a:r>
+              <a:r>
+                <a:rPr lang="en-GB" sz="2200" dirty="0" err="1">
+                  <a:solidFill>
+                    <a:schemeClr val="bg1"/>
+                  </a:solidFill>
+                  <a:latin typeface="Arial" panose="020B0604020202020204" pitchFamily="34" charset="0"/>
+                  <a:cs typeface="Arial" panose="020B0604020202020204" pitchFamily="34" charset="0"/>
+                </a:rPr>
+                <a:t>Belvaux</a:t>
+              </a:r>
+              <a:r>
+                <a:rPr lang="en-GB" sz="2200" dirty="0">
+                  <a:solidFill>
+                    <a:schemeClr val="bg1"/>
+                  </a:solidFill>
+                  <a:latin typeface="Arial" panose="020B0604020202020204" pitchFamily="34" charset="0"/>
+                  <a:cs typeface="Arial" panose="020B0604020202020204" pitchFamily="34" charset="0"/>
+                </a:rPr>
+                <a:t>, Luxembourg</a:t>
+              </a:r>
+            </a:p>
+            <a:p>
+              <a:endParaRPr lang="en-GB" sz="2200" dirty="0">
+                <a:solidFill>
+                  <a:schemeClr val="bg1"/>
+                </a:solidFill>
+                <a:latin typeface="Arial" panose="020B0604020202020204" pitchFamily="34" charset="0"/>
+                <a:cs typeface="Arial" panose="020B0604020202020204" pitchFamily="34" charset="0"/>
+              </a:endParaRPr>
+            </a:p>
+            <a:p>
+              <a:r>
+                <a:rPr lang="en-GB" sz="2200" dirty="0">
+                  <a:solidFill>
+                    <a:schemeClr val="bg1"/>
+                  </a:solidFill>
+                  <a:latin typeface="Arial" panose="020B0604020202020204" pitchFamily="34" charset="0"/>
+                  <a:cs typeface="Arial" panose="020B0604020202020204" pitchFamily="34" charset="0"/>
+                </a:rPr>
+                <a:t>OPEN PROJECT</a:t>
+              </a:r>
+              <a:endParaRPr lang="en-LU" sz="2200" dirty="0">
+                <a:solidFill>
+                  <a:schemeClr val="bg1"/>
+                </a:solidFill>
+                <a:latin typeface="Arial" panose="020B0604020202020204" pitchFamily="34" charset="0"/>
+                <a:cs typeface="Arial" panose="020B0604020202020204" pitchFamily="34" charset="0"/>
+              </a:endParaRPr>
+            </a:p>
+          </p:txBody>
+        </p:sp>
+      </p:grpSp>
+      <p:grpSp>
+        <p:nvGrpSpPr>
+          <p:cNvPr id="23" name="Group 22">
+            <a:extLst>
+              <a:ext uri="{FF2B5EF4-FFF2-40B4-BE49-F238E27FC236}">
+                <a16:creationId xmlns:a16="http://schemas.microsoft.com/office/drawing/2014/main" id="{C15B61B0-E42F-5F4B-9358-0F0DF1B2AEBD}"/>
+              </a:ext>
+            </a:extLst>
+          </p:cNvPr>
+          <p:cNvGrpSpPr/>
+          <p:nvPr/>
+        </p:nvGrpSpPr>
+        <p:grpSpPr>
+          <a:xfrm>
+            <a:off x="28835465" y="23074905"/>
+            <a:ext cx="5749241" cy="3072870"/>
+            <a:chOff x="28818680" y="18952671"/>
+            <a:chExt cx="5749241" cy="3072870"/>
+          </a:xfrm>
+        </p:grpSpPr>
+        <p:pic>
+          <p:nvPicPr>
+            <p:cNvPr id="24" name="Picture 23">
+              <a:extLst>
+                <a:ext uri="{FF2B5EF4-FFF2-40B4-BE49-F238E27FC236}">
+                  <a16:creationId xmlns:a16="http://schemas.microsoft.com/office/drawing/2014/main" id="{A213D0B4-BA29-5B48-8FBB-1D2F4EECC48F}"/>
+                </a:ext>
+              </a:extLst>
+            </p:cNvPr>
+            <p:cNvPicPr>
+              <a:picLocks noChangeAspect="1"/>
+            </p:cNvPicPr>
+            <p:nvPr/>
+          </p:nvPicPr>
+          <p:blipFill>
+            <a:blip r:embed="rId4"/>
+            <a:stretch>
+              <a:fillRect/>
+            </a:stretch>
+          </p:blipFill>
+          <p:spPr>
+            <a:xfrm>
+              <a:off x="28818680" y="18952671"/>
+              <a:ext cx="5749241" cy="3072870"/>
+            </a:xfrm>
+            <a:prstGeom prst="rect">
+              <a:avLst/>
+            </a:prstGeom>
+          </p:spPr>
+        </p:pic>
+        <p:sp>
+          <p:nvSpPr>
+            <p:cNvPr id="25" name="TextBox 24">
+              <a:extLst>
+                <a:ext uri="{FF2B5EF4-FFF2-40B4-BE49-F238E27FC236}">
+                  <a16:creationId xmlns:a16="http://schemas.microsoft.com/office/drawing/2014/main" id="{7328B93E-2A7C-9744-8D37-5AA2640EA359}"/>
+                </a:ext>
+              </a:extLst>
+            </p:cNvPr>
+            <p:cNvSpPr txBox="1"/>
+            <p:nvPr/>
+          </p:nvSpPr>
+          <p:spPr>
+            <a:xfrm>
+              <a:off x="29001756" y="19181055"/>
+              <a:ext cx="5383088" cy="2369880"/>
+            </a:xfrm>
+            <a:prstGeom prst="rect">
+              <a:avLst/>
+            </a:prstGeom>
+            <a:noFill/>
+          </p:spPr>
+          <p:txBody>
+            <a:bodyPr wrap="square" rtlCol="0">
+              <a:spAutoFit/>
+            </a:bodyPr>
+            <a:lstStyle/>
+            <a:p>
+              <a:r>
+                <a:rPr lang="en-GB" sz="2800" b="1" dirty="0">
+                  <a:solidFill>
+                    <a:schemeClr val="bg1"/>
+                  </a:solidFill>
+                  <a:latin typeface="Arial" panose="020B0604020202020204" pitchFamily="34" charset="0"/>
+                  <a:cs typeface="Arial" panose="020B0604020202020204" pitchFamily="34" charset="0"/>
+                </a:rPr>
+                <a:t>COVID-19</a:t>
+              </a:r>
+            </a:p>
+            <a:p>
+              <a:endParaRPr lang="en-GB" sz="2000" dirty="0">
+                <a:solidFill>
+                  <a:schemeClr val="bg1"/>
+                </a:solidFill>
+                <a:latin typeface="Arial" panose="020B0604020202020204" pitchFamily="34" charset="0"/>
+                <a:cs typeface="Arial" panose="020B0604020202020204" pitchFamily="34" charset="0"/>
+              </a:endParaRPr>
+            </a:p>
+            <a:p>
+              <a:r>
+                <a:rPr lang="en-GB" sz="2000" dirty="0">
+                  <a:solidFill>
+                    <a:schemeClr val="bg1"/>
+                  </a:solidFill>
+                  <a:latin typeface="Arial" panose="020B0604020202020204" pitchFamily="34" charset="0"/>
+                  <a:cs typeface="Arial" panose="020B0604020202020204" pitchFamily="34" charset="0"/>
+                </a:rPr>
+                <a:t>Resource: COVID-19 Disease Map</a:t>
+              </a:r>
+            </a:p>
+            <a:p>
+              <a:r>
+                <a:rPr lang="en-GB" sz="2000" dirty="0">
+                  <a:solidFill>
+                    <a:schemeClr val="bg1"/>
+                  </a:solidFill>
+                  <a:latin typeface="Arial" panose="020B0604020202020204" pitchFamily="34" charset="0"/>
+                  <a:cs typeface="Arial" panose="020B0604020202020204" pitchFamily="34" charset="0"/>
+                </a:rPr>
+                <a:t>Contact: Marek </a:t>
+              </a:r>
+              <a:r>
+                <a:rPr lang="en-GB" sz="2000" dirty="0" err="1">
+                  <a:solidFill>
+                    <a:schemeClr val="bg1"/>
+                  </a:solidFill>
+                  <a:latin typeface="Arial" panose="020B0604020202020204" pitchFamily="34" charset="0"/>
+                  <a:cs typeface="Arial" panose="020B0604020202020204" pitchFamily="34" charset="0"/>
+                </a:rPr>
+                <a:t>Ostaszewski</a:t>
+              </a:r>
+              <a:r>
+                <a:rPr lang="en-GB" sz="2000" dirty="0">
+                  <a:solidFill>
+                    <a:schemeClr val="bg1"/>
+                  </a:solidFill>
+                  <a:latin typeface="Arial" panose="020B0604020202020204" pitchFamily="34" charset="0"/>
+                  <a:cs typeface="Arial" panose="020B0604020202020204" pitchFamily="34" charset="0"/>
+                </a:rPr>
+                <a:t>, University of Luxembourg, </a:t>
+              </a:r>
+              <a:r>
+                <a:rPr lang="en-GB" sz="2000" dirty="0" err="1">
+                  <a:solidFill>
+                    <a:schemeClr val="bg1"/>
+                  </a:solidFill>
+                  <a:latin typeface="Arial" panose="020B0604020202020204" pitchFamily="34" charset="0"/>
+                  <a:cs typeface="Arial" panose="020B0604020202020204" pitchFamily="34" charset="0"/>
+                </a:rPr>
+                <a:t>Belvaux</a:t>
+              </a:r>
+              <a:r>
+                <a:rPr lang="en-GB" sz="2000" dirty="0">
+                  <a:solidFill>
+                    <a:schemeClr val="bg1"/>
+                  </a:solidFill>
+                  <a:latin typeface="Arial" panose="020B0604020202020204" pitchFamily="34" charset="0"/>
+                  <a:cs typeface="Arial" panose="020B0604020202020204" pitchFamily="34" charset="0"/>
+                </a:rPr>
+                <a:t>, Luxembourg</a:t>
+              </a:r>
+            </a:p>
+            <a:p>
+              <a:endParaRPr lang="en-GB" sz="2000" dirty="0">
+                <a:solidFill>
+                  <a:schemeClr val="bg1"/>
+                </a:solidFill>
+                <a:latin typeface="Arial" panose="020B0604020202020204" pitchFamily="34" charset="0"/>
+                <a:cs typeface="Arial" panose="020B0604020202020204" pitchFamily="34" charset="0"/>
+              </a:endParaRPr>
+            </a:p>
+            <a:p>
+              <a:r>
+                <a:rPr lang="en-GB" sz="2000" dirty="0">
+                  <a:solidFill>
+                    <a:schemeClr val="bg1"/>
+                  </a:solidFill>
+                  <a:latin typeface="Arial" panose="020B0604020202020204" pitchFamily="34" charset="0"/>
+                  <a:cs typeface="Arial" panose="020B0604020202020204" pitchFamily="34" charset="0"/>
+                </a:rPr>
+                <a:t>OPEN PROJECT</a:t>
+              </a:r>
+              <a:endParaRPr lang="en-LU" sz="2000" dirty="0">
+                <a:solidFill>
+                  <a:schemeClr val="bg1"/>
+                </a:solidFill>
+                <a:latin typeface="Arial" panose="020B0604020202020204" pitchFamily="34" charset="0"/>
+                <a:cs typeface="Arial" panose="020B0604020202020204" pitchFamily="34" charset="0"/>
+              </a:endParaRPr>
+            </a:p>
+          </p:txBody>
+        </p:sp>
+      </p:grpSp>
+      <p:grpSp>
+        <p:nvGrpSpPr>
+          <p:cNvPr id="17" name="Group 16">
+            <a:extLst>
+              <a:ext uri="{FF2B5EF4-FFF2-40B4-BE49-F238E27FC236}">
+                <a16:creationId xmlns:a16="http://schemas.microsoft.com/office/drawing/2014/main" id="{8F62CAD5-AF2A-F940-AF17-B46D13089594}"/>
+              </a:ext>
+            </a:extLst>
+          </p:cNvPr>
+          <p:cNvGrpSpPr/>
+          <p:nvPr/>
+        </p:nvGrpSpPr>
+        <p:grpSpPr>
+          <a:xfrm>
+            <a:off x="28835465" y="27197139"/>
+            <a:ext cx="5732456" cy="2847736"/>
+            <a:chOff x="28835465" y="27197139"/>
+            <a:chExt cx="5732456" cy="2847736"/>
+          </a:xfrm>
+        </p:grpSpPr>
+        <p:pic>
+          <p:nvPicPr>
+            <p:cNvPr id="15" name="Picture 14">
+              <a:extLst>
+                <a:ext uri="{FF2B5EF4-FFF2-40B4-BE49-F238E27FC236}">
+                  <a16:creationId xmlns:a16="http://schemas.microsoft.com/office/drawing/2014/main" id="{3EF42D70-2EF3-3143-84C0-939202D74A8F}"/>
+                </a:ext>
+              </a:extLst>
+            </p:cNvPr>
+            <p:cNvPicPr>
+              <a:picLocks noChangeAspect="1"/>
+            </p:cNvPicPr>
+            <p:nvPr/>
+          </p:nvPicPr>
+          <p:blipFill>
+            <a:blip r:embed="rId5"/>
+            <a:stretch>
+              <a:fillRect/>
+            </a:stretch>
+          </p:blipFill>
+          <p:spPr>
+            <a:xfrm>
+              <a:off x="28835465" y="27197139"/>
+              <a:ext cx="5732456" cy="2847736"/>
+            </a:xfrm>
+            <a:prstGeom prst="rect">
+              <a:avLst/>
+            </a:prstGeom>
+          </p:spPr>
+        </p:pic>
+        <p:sp>
+          <p:nvSpPr>
+            <p:cNvPr id="26" name="TextBox 25">
+              <a:extLst>
+                <a:ext uri="{FF2B5EF4-FFF2-40B4-BE49-F238E27FC236}">
+                  <a16:creationId xmlns:a16="http://schemas.microsoft.com/office/drawing/2014/main" id="{4BB2CA59-DF45-5644-B1EB-4FA3D5DC212E}"/>
+                </a:ext>
+              </a:extLst>
+            </p:cNvPr>
+            <p:cNvSpPr txBox="1"/>
+            <p:nvPr/>
+          </p:nvSpPr>
+          <p:spPr>
+            <a:xfrm>
+              <a:off x="29001756" y="27436067"/>
+              <a:ext cx="5383088" cy="2369880"/>
+            </a:xfrm>
+            <a:prstGeom prst="rect">
+              <a:avLst/>
+            </a:prstGeom>
+            <a:noFill/>
+          </p:spPr>
+          <p:txBody>
+            <a:bodyPr wrap="square" rtlCol="0">
+              <a:spAutoFit/>
+            </a:bodyPr>
+            <a:lstStyle/>
+            <a:p>
+              <a:r>
+                <a:rPr lang="en-GB" sz="2800" b="1" dirty="0">
+                  <a:solidFill>
+                    <a:schemeClr val="bg1"/>
+                  </a:solidFill>
+                  <a:latin typeface="Arial" panose="020B0604020202020204" pitchFamily="34" charset="0"/>
+                  <a:cs typeface="Arial" panose="020B0604020202020204" pitchFamily="34" charset="0"/>
+                </a:rPr>
+                <a:t>COVID-19</a:t>
+              </a:r>
+            </a:p>
+            <a:p>
+              <a:endParaRPr lang="en-GB" sz="2000" dirty="0">
+                <a:solidFill>
+                  <a:schemeClr val="bg1"/>
+                </a:solidFill>
+                <a:latin typeface="Arial" panose="020B0604020202020204" pitchFamily="34" charset="0"/>
+                <a:cs typeface="Arial" panose="020B0604020202020204" pitchFamily="34" charset="0"/>
+              </a:endParaRPr>
+            </a:p>
+            <a:p>
+              <a:r>
+                <a:rPr lang="en-GB" sz="2000" dirty="0">
+                  <a:solidFill>
+                    <a:schemeClr val="bg1"/>
+                  </a:solidFill>
+                  <a:latin typeface="Arial" panose="020B0604020202020204" pitchFamily="34" charset="0"/>
+                  <a:cs typeface="Arial" panose="020B0604020202020204" pitchFamily="34" charset="0"/>
+                </a:rPr>
+                <a:t>Resource: COVID-19 Disease Map</a:t>
+              </a:r>
+            </a:p>
+            <a:p>
+              <a:r>
+                <a:rPr lang="en-GB" sz="2000" dirty="0">
+                  <a:solidFill>
+                    <a:schemeClr val="bg1"/>
+                  </a:solidFill>
+                  <a:latin typeface="Arial" panose="020B0604020202020204" pitchFamily="34" charset="0"/>
+                  <a:cs typeface="Arial" panose="020B0604020202020204" pitchFamily="34" charset="0"/>
+                </a:rPr>
+                <a:t>Contact: Marek </a:t>
+              </a:r>
+              <a:r>
+                <a:rPr lang="en-GB" sz="2000" dirty="0" err="1">
+                  <a:solidFill>
+                    <a:schemeClr val="bg1"/>
+                  </a:solidFill>
+                  <a:latin typeface="Arial" panose="020B0604020202020204" pitchFamily="34" charset="0"/>
+                  <a:cs typeface="Arial" panose="020B0604020202020204" pitchFamily="34" charset="0"/>
+                </a:rPr>
+                <a:t>Ostaszewski</a:t>
+              </a:r>
+              <a:r>
+                <a:rPr lang="en-GB" sz="2000" dirty="0">
+                  <a:solidFill>
+                    <a:schemeClr val="bg1"/>
+                  </a:solidFill>
+                  <a:latin typeface="Arial" panose="020B0604020202020204" pitchFamily="34" charset="0"/>
+                  <a:cs typeface="Arial" panose="020B0604020202020204" pitchFamily="34" charset="0"/>
+                </a:rPr>
+                <a:t>, University of Luxembourg, </a:t>
+              </a:r>
+              <a:r>
+                <a:rPr lang="en-GB" sz="2000" dirty="0" err="1">
+                  <a:solidFill>
+                    <a:schemeClr val="bg1"/>
+                  </a:solidFill>
+                  <a:latin typeface="Arial" panose="020B0604020202020204" pitchFamily="34" charset="0"/>
+                  <a:cs typeface="Arial" panose="020B0604020202020204" pitchFamily="34" charset="0"/>
+                </a:rPr>
+                <a:t>Belvaux</a:t>
+              </a:r>
+              <a:r>
+                <a:rPr lang="en-GB" sz="2000" dirty="0">
+                  <a:solidFill>
+                    <a:schemeClr val="bg1"/>
+                  </a:solidFill>
+                  <a:latin typeface="Arial" panose="020B0604020202020204" pitchFamily="34" charset="0"/>
+                  <a:cs typeface="Arial" panose="020B0604020202020204" pitchFamily="34" charset="0"/>
+                </a:rPr>
+                <a:t>, Luxembourg</a:t>
+              </a:r>
+            </a:p>
+            <a:p>
+              <a:endParaRPr lang="en-GB" sz="2000" dirty="0">
+                <a:solidFill>
+                  <a:schemeClr val="bg1"/>
+                </a:solidFill>
+                <a:latin typeface="Arial" panose="020B0604020202020204" pitchFamily="34" charset="0"/>
+                <a:cs typeface="Arial" panose="020B0604020202020204" pitchFamily="34" charset="0"/>
+              </a:endParaRPr>
+            </a:p>
+            <a:p>
+              <a:r>
+                <a:rPr lang="en-GB" sz="2000" dirty="0">
+                  <a:solidFill>
+                    <a:schemeClr val="bg1"/>
+                  </a:solidFill>
+                  <a:latin typeface="Arial" panose="020B0604020202020204" pitchFamily="34" charset="0"/>
+                  <a:cs typeface="Arial" panose="020B0604020202020204" pitchFamily="34" charset="0"/>
+                </a:rPr>
+                <a:t>OPEN PROJECT</a:t>
+              </a:r>
+              <a:endParaRPr lang="en-LU" sz="2000" dirty="0">
+                <a:solidFill>
+                  <a:schemeClr val="bg1"/>
+                </a:solidFill>
+                <a:latin typeface="Arial" panose="020B0604020202020204" pitchFamily="34" charset="0"/>
+                <a:cs typeface="Arial" panose="020B0604020202020204" pitchFamily="34" charset="0"/>
+              </a:endParaRPr>
             </a:p>
           </p:txBody>
         </p:sp>
